--- a/Project/ammiabba final.pptx
+++ b/Project/ammiabba final.pptx
@@ -200,7 +200,7 @@
             <a:fld id="{7A838446-1240-4DE9-811C-8062FCFDFB9A}" type="datetimeFigureOut">
               <a:rPr lang="en-US" smtClean="0"/>
               <a:pPr/>
-              <a:t>11/5/2013</a:t>
+              <a:t>11/10/2013</a:t>
             </a:fld>
             <a:endParaRPr lang="en-US"/>
           </a:p>
@@ -1068,7 +1068,7 @@
             <a:fld id="{BF1E8E6D-266D-4ECD-99D9-206EE8BB9196}" type="datetimeFigureOut">
               <a:rPr lang="en-US" smtClean="0"/>
               <a:pPr/>
-              <a:t>11/5/2013</a:t>
+              <a:t>11/10/2013</a:t>
             </a:fld>
             <a:endParaRPr lang="en-US"/>
           </a:p>
@@ -1255,7 +1255,7 @@
             <a:fld id="{BF1E8E6D-266D-4ECD-99D9-206EE8BB9196}" type="datetimeFigureOut">
               <a:rPr lang="en-US" smtClean="0"/>
               <a:pPr/>
-              <a:t>11/5/2013</a:t>
+              <a:t>11/10/2013</a:t>
             </a:fld>
             <a:endParaRPr lang="en-US"/>
           </a:p>
@@ -1442,7 +1442,7 @@
             <a:fld id="{BF1E8E6D-266D-4ECD-99D9-206EE8BB9196}" type="datetimeFigureOut">
               <a:rPr lang="en-US" smtClean="0"/>
               <a:pPr/>
-              <a:t>11/5/2013</a:t>
+              <a:t>11/10/2013</a:t>
             </a:fld>
             <a:endParaRPr lang="en-US"/>
           </a:p>
@@ -1629,7 +1629,7 @@
             <a:fld id="{BF1E8E6D-266D-4ECD-99D9-206EE8BB9196}" type="datetimeFigureOut">
               <a:rPr lang="en-US" smtClean="0"/>
               <a:pPr/>
-              <a:t>11/5/2013</a:t>
+              <a:t>11/10/2013</a:t>
             </a:fld>
             <a:endParaRPr lang="en-US"/>
           </a:p>
@@ -2012,7 +2012,7 @@
             <a:fld id="{BF1E8E6D-266D-4ECD-99D9-206EE8BB9196}" type="datetimeFigureOut">
               <a:rPr lang="en-US" smtClean="0"/>
               <a:pPr/>
-              <a:t>11/5/2013</a:t>
+              <a:t>11/10/2013</a:t>
             </a:fld>
             <a:endParaRPr lang="en-US"/>
           </a:p>
@@ -2283,7 +2283,7 @@
             <a:fld id="{BF1E8E6D-266D-4ECD-99D9-206EE8BB9196}" type="datetimeFigureOut">
               <a:rPr lang="en-US" smtClean="0"/>
               <a:pPr/>
-              <a:t>11/5/2013</a:t>
+              <a:t>11/10/2013</a:t>
             </a:fld>
             <a:endParaRPr lang="en-US"/>
           </a:p>
@@ -2670,7 +2670,7 @@
             <a:fld id="{BF1E8E6D-266D-4ECD-99D9-206EE8BB9196}" type="datetimeFigureOut">
               <a:rPr lang="en-US" smtClean="0"/>
               <a:pPr/>
-              <a:t>11/5/2013</a:t>
+              <a:t>11/10/2013</a:t>
             </a:fld>
             <a:endParaRPr lang="en-US"/>
           </a:p>
@@ -2793,7 +2793,7 @@
             <a:fld id="{BF1E8E6D-266D-4ECD-99D9-206EE8BB9196}" type="datetimeFigureOut">
               <a:rPr lang="en-US" smtClean="0"/>
               <a:pPr/>
-              <a:t>11/5/2013</a:t>
+              <a:t>11/10/2013</a:t>
             </a:fld>
             <a:endParaRPr lang="en-US"/>
           </a:p>
@@ -2975,7 +2975,7 @@
             <a:fld id="{BF1E8E6D-266D-4ECD-99D9-206EE8BB9196}" type="datetimeFigureOut">
               <a:rPr lang="en-US" smtClean="0"/>
               <a:pPr/>
-              <a:t>11/5/2013</a:t>
+              <a:t>11/10/2013</a:t>
             </a:fld>
             <a:endParaRPr lang="en-US"/>
           </a:p>
@@ -3311,7 +3311,7 @@
             <a:fld id="{BF1E8E6D-266D-4ECD-99D9-206EE8BB9196}" type="datetimeFigureOut">
               <a:rPr lang="en-US" smtClean="0"/>
               <a:pPr/>
-              <a:t>11/5/2013</a:t>
+              <a:t>11/10/2013</a:t>
             </a:fld>
             <a:endParaRPr lang="en-US"/>
           </a:p>
@@ -3682,7 +3682,7 @@
             <a:fld id="{BF1E8E6D-266D-4ECD-99D9-206EE8BB9196}" type="datetimeFigureOut">
               <a:rPr lang="en-US" smtClean="0"/>
               <a:pPr/>
-              <a:t>11/5/2013</a:t>
+              <a:t>11/10/2013</a:t>
             </a:fld>
             <a:endParaRPr lang="en-US"/>
           </a:p>
@@ -4102,7 +4102,7 @@
             <a:fld id="{BF1E8E6D-266D-4ECD-99D9-206EE8BB9196}" type="datetimeFigureOut">
               <a:rPr lang="en-US" smtClean="0"/>
               <a:pPr/>
-              <a:t>11/5/2013</a:t>
+              <a:t>11/10/2013</a:t>
             </a:fld>
             <a:endParaRPr lang="en-US"/>
           </a:p>
@@ -4636,10 +4636,10 @@
                   </a:schemeClr>
                 </a:solidFill>
               </a:rPr>
-              <a:t>The </a:t>
-            </a:r>
-            <a:r>
-              <a:rPr lang="en-US" dirty="0" smtClean="0">
+              <a:t>The best </a:t>
+            </a:r>
+            <a:r>
+              <a:rPr lang="en-US" dirty="0" err="1" smtClean="0">
                 <a:solidFill>
                   <a:schemeClr val="tx1">
                     <a:lumMod val="85000"/>
@@ -4647,10 +4647,10 @@
                   </a:schemeClr>
                 </a:solidFill>
               </a:rPr>
-              <a:t>best </a:t>
-            </a:r>
-            <a:r>
-              <a:rPr lang="en-US" dirty="0" err="1" smtClean="0">
+              <a:t>meem</a:t>
+            </a:r>
+            <a:r>
+              <a:rPr lang="en-US" dirty="0" smtClean="0">
                 <a:solidFill>
                   <a:schemeClr val="tx1">
                     <a:lumMod val="85000"/>
@@ -4658,29 +4658,7 @@
                   </a:schemeClr>
                 </a:solidFill>
               </a:rPr>
-              <a:t>meem</a:t>
-            </a:r>
-            <a:r>
-              <a:rPr lang="en-US" dirty="0" smtClean="0">
-                <a:solidFill>
-                  <a:schemeClr val="tx1">
-                    <a:lumMod val="85000"/>
-                    <a:lumOff val="15000"/>
-                  </a:schemeClr>
-                </a:solidFill>
-              </a:rPr>
-              <a:t> </a:t>
-            </a:r>
-            <a:r>
-              <a:rPr lang="en-US" dirty="0" smtClean="0">
-                <a:solidFill>
-                  <a:schemeClr val="tx1">
-                    <a:lumMod val="85000"/>
-                    <a:lumOff val="15000"/>
-                  </a:schemeClr>
-                </a:solidFill>
-              </a:rPr>
-              <a:t>search engine</a:t>
+              <a:t> search engine</a:t>
             </a:r>
             <a:endParaRPr lang="en-US" dirty="0">
               <a:solidFill>
@@ -5701,12 +5679,6 @@
               </a:rPr>
               <a:t>Bangalore</a:t>
             </a:r>
-            <a:endParaRPr lang="en-US" sz="1200" dirty="0" smtClean="0">
-              <a:solidFill>
-                <a:srgbClr val="FF0000"/>
-              </a:solidFill>
-              <a:latin typeface="Arial Black" pitchFamily="34" charset="0"/>
-            </a:endParaRPr>
           </a:p>
         </p:txBody>
       </p:sp>
@@ -5738,16 +5710,7 @@
                 </a:solidFill>
                 <a:latin typeface="Arial Black" pitchFamily="34" charset="0"/>
               </a:rPr>
-              <a:t>what </a:t>
-            </a:r>
-            <a:r>
-              <a:rPr lang="en-US" sz="1400" dirty="0" smtClean="0">
-                <a:solidFill>
-                  <a:srgbClr val="FF0000"/>
-                </a:solidFill>
-                <a:latin typeface="Arial Black" pitchFamily="34" charset="0"/>
-              </a:rPr>
-              <a:t>do you need </a:t>
+              <a:t>what do you need </a:t>
             </a:r>
           </a:p>
         </p:txBody>
